--- a/03_webapp/docs/!実習イントロダクション.pptx
+++ b/03_webapp/docs/!実習イントロダクション.pptx
@@ -858,7 +858,7 @@
           <a:p>
             <a:fld id="{7353184A-AC48-448C-8BE2-941BD03D1848}" type="datetimeFigureOut">
               <a:rPr kumimoji="1" lang="ja-JP" altLang="en-US" smtClean="0"/>
-              <a:t>2023/4/13</a:t>
+              <a:t>2023/4/27</a:t>
             </a:fld>
             <a:endParaRPr kumimoji="1" lang="ja-JP" altLang="en-US"/>
           </a:p>
@@ -2448,7 +2448,7 @@
             <a:fld id="{373E9D23-D838-4192-BA53-C325838A3FAB}" type="datetime1">
               <a:rPr lang="ja-JP" altLang="en-US" smtClean="0"/>
               <a:pPr/>
-              <a:t>2023/4/13</a:t>
+              <a:t>2023/4/27</a:t>
             </a:fld>
             <a:endParaRPr lang="ja-JP" altLang="en-US" dirty="0"/>
           </a:p>
@@ -3136,7 +3136,7 @@
             </a:r>
             <a:r>
               <a:rPr lang="ja-JP" altLang="en-US" dirty="0"/>
-              <a:t>研修における実習の進め方</a:t>
+              <a:t>研修実習の進め方</a:t>
             </a:r>
           </a:p>
         </p:txBody>
@@ -4227,7 +4227,7 @@
         </p:spPr>
         <p:txBody>
           <a:bodyPr>
-            <a:normAutofit fontScale="92500" lnSpcReduction="10000"/>
+            <a:normAutofit fontScale="92500" lnSpcReduction="20000"/>
           </a:bodyPr>
           <a:lstStyle/>
           <a:p>
@@ -4264,7 +4264,7 @@
             </a:pPr>
             <a:r>
               <a:rPr lang="ja-JP" altLang="en-US" dirty="0"/>
-              <a:t>設計書のサービス管理システムの理解</a:t>
+              <a:t>サービス管理システムの理解</a:t>
             </a:r>
             <a:endParaRPr lang="en-US" altLang="ja-JP" dirty="0"/>
           </a:p>
@@ -4279,7 +4279,7 @@
             </a:r>
             <a:r>
               <a:rPr kumimoji="1" lang="en-US" altLang="ja-JP" dirty="0"/>
-              <a:t>(KAP020)</a:t>
+              <a:t>(KAP020V010)</a:t>
             </a:r>
             <a:r>
               <a:rPr kumimoji="1" lang="ja-JP" altLang="en-US" dirty="0"/>
@@ -4328,7 +4328,7 @@
             </a:pPr>
             <a:r>
               <a:rPr lang="ja-JP" altLang="en-US" dirty="0"/>
-              <a:t>料金情報をすべて取得し料金情報検索結果とするサービスを作成する。</a:t>
+              <a:t>料金情報をすべて取得し料金情報検索結果として返すサービスを作成する。</a:t>
             </a:r>
             <a:endParaRPr lang="en-US" altLang="ja-JP" dirty="0"/>
           </a:p>
@@ -4354,7 +4354,7 @@
             </a:r>
             <a:r>
               <a:rPr lang="ja-JP" altLang="en-US" dirty="0"/>
-              <a:t>について検索条件に一致する情報を取得するサービスに変更する。</a:t>
+              <a:t>について検索条件に一致する情報を料金情報検索結果として返すサービスに変更する。</a:t>
             </a:r>
             <a:endParaRPr lang="en-US" altLang="ja-JP" dirty="0"/>
           </a:p>
@@ -4365,7 +4365,15 @@
             </a:pPr>
             <a:r>
               <a:rPr kumimoji="1" lang="ja-JP" altLang="en-US" dirty="0"/>
-              <a:t>料金情報登録・編集機能の作成</a:t>
+              <a:t>料金情報編集機能</a:t>
+            </a:r>
+            <a:r>
+              <a:rPr kumimoji="1" lang="en-US" altLang="ja-JP" dirty="0"/>
+              <a:t>(KAP020V020)</a:t>
+            </a:r>
+            <a:r>
+              <a:rPr kumimoji="1" lang="ja-JP" altLang="en-US" dirty="0"/>
+              <a:t>の作成</a:t>
             </a:r>
             <a:endParaRPr kumimoji="1" lang="en-US" altLang="ja-JP" dirty="0"/>
           </a:p>
@@ -4376,7 +4384,19 @@
             </a:pPr>
             <a:r>
               <a:rPr lang="ja-JP" altLang="en-US" dirty="0"/>
-              <a:t>加入者情報編集画面に料金情報関連付け機能を追加</a:t>
+              <a:t>加入者情報編集画面</a:t>
+            </a:r>
+            <a:r>
+              <a:rPr lang="en-US" altLang="ja-JP" dirty="0"/>
+              <a:t>(KAP010V020)</a:t>
+            </a:r>
+            <a:r>
+              <a:rPr lang="ja-JP" altLang="en-US"/>
+              <a:t>に</a:t>
+            </a:r>
+            <a:r>
+              <a:rPr lang="ja-JP" altLang="en-US" dirty="0"/>
+              <a:t>料金情報関連付け機能を追加</a:t>
             </a:r>
             <a:endParaRPr lang="en-US" altLang="ja-JP" dirty="0"/>
           </a:p>
